--- a/Case Study 2 - Final Presentation.pptx
+++ b/Case Study 2 - Final Presentation.pptx
@@ -23,6 +23,9 @@
     <p:sldId id="269" r:id="rId18"/>
     <p:sldId id="270" r:id="rId19"/>
     <p:sldId id="271" r:id="rId20"/>
+    <p:sldId id="272" r:id="rId21"/>
+    <p:sldId id="273" r:id="rId22"/>
+    <p:sldId id="274" r:id="rId23"/>
   </p:sldIdLst>
   <p:sldSz cx="10080625" cy="7559675"/>
   <p:notesSz cx="7772400" cy="10058400"/>
@@ -4153,13 +4156,7 @@
               <a:rPr b="0" lang="en-US" sz="4400" spc="-1" strike="noStrike">
                 <a:latin typeface="Arial"/>
               </a:rPr>
-              <a:t>Click to edit the title text </a:t>
-            </a:r>
-            <a:r>
-              <a:rPr b="0" lang="en-US" sz="4400" spc="-1" strike="noStrike">
-                <a:latin typeface="Arial"/>
-              </a:rPr>
-              <a:t>format</a:t>
+              <a:t>Click to edit the title text format</a:t>
             </a:r>
             <a:endParaRPr b="0" lang="en-US" sz="4400" spc="-1" strike="noStrike">
               <a:latin typeface="Arial"/>
@@ -4918,7 +4915,7 @@
         <p:spPr>
           <a:xfrm>
             <a:off x="504000" y="1576080"/>
-            <a:ext cx="9070560" cy="4254840"/>
+            <a:ext cx="9070200" cy="4254480"/>
           </a:xfrm>
           <a:prstGeom prst="rect">
             <a:avLst/>
@@ -5118,8 +5115,8 @@
         </p:nvSpPr>
         <p:spPr>
           <a:xfrm>
-            <a:off x="332640" y="473760"/>
-            <a:ext cx="7531200" cy="730440"/>
+            <a:off x="640080" y="365760"/>
+            <a:ext cx="7222680" cy="1461960"/>
           </a:xfrm>
           <a:prstGeom prst="rect">
             <a:avLst/>
@@ -5146,16 +5143,16 @@
               </a:lnSpc>
             </a:pPr>
             <a:r>
-              <a:rPr b="0" lang="en-US" sz="4000" spc="-1" strike="noStrike">
+              <a:rPr b="0" lang="en-US" sz="4400" spc="-1" strike="noStrike">
                 <a:solidFill>
                   <a:srgbClr val="000000"/>
                 </a:solidFill>
                 <a:latin typeface="Arial"/>
                 <a:ea typeface="Arial"/>
               </a:rPr>
-              <a:t>Classification prediction Model</a:t>
+              <a:t>Attrition Relationships</a:t>
             </a:r>
-            <a:endParaRPr b="0" lang="en-US" sz="4000" spc="-1" strike="noStrike">
+            <a:endParaRPr b="0" lang="en-US" sz="4400" spc="-1" strike="noStrike">
               <a:latin typeface="Arial"/>
             </a:endParaRPr>
           </a:p>
@@ -5173,8 +5170,8 @@
         </p:blipFill>
         <p:spPr>
           <a:xfrm>
-            <a:off x="585360" y="1987920"/>
-            <a:ext cx="9000720" cy="3914280"/>
+            <a:off x="401760" y="2119680"/>
+            <a:ext cx="9326880" cy="4514760"/>
           </a:xfrm>
           <a:prstGeom prst="rect">
             <a:avLst/>
@@ -5222,8 +5219,8 @@
         </p:nvSpPr>
         <p:spPr>
           <a:xfrm>
-            <a:off x="332640" y="473760"/>
-            <a:ext cx="7531200" cy="730440"/>
+            <a:off x="271440" y="1923120"/>
+            <a:ext cx="9599760" cy="2691360"/>
           </a:xfrm>
           <a:prstGeom prst="rect">
             <a:avLst/>
@@ -5240,54 +5237,61 @@
           <a:fontRef idx="minor"/>
         </p:style>
         <p:txBody>
-          <a:bodyPr lIns="90000" rIns="90000" tIns="45000" bIns="45000">
+          <a:bodyPr lIns="0" rIns="0" tIns="0" bIns="0" anchor="ctr">
             <a:noAutofit/>
           </a:bodyPr>
           <a:p>
-            <a:pPr>
+            <a:pPr marL="285840" algn="ctr">
               <a:lnSpc>
                 <a:spcPct val="100000"/>
               </a:lnSpc>
             </a:pPr>
             <a:r>
-              <a:rPr b="0" lang="en-US" sz="4000" spc="-1" strike="noStrike">
+              <a:rPr b="0" lang="en-US" sz="4400" spc="-1" strike="noStrike">
                 <a:solidFill>
-                  <a:srgbClr val="000000"/>
+                  <a:srgbClr val="ffffff"/>
                 </a:solidFill>
                 <a:latin typeface="Arial"/>
-                <a:ea typeface="Arial"/>
+                <a:ea typeface="DejaVu Sans"/>
               </a:rPr>
-              <a:t>Naive Bayes Model Contd..</a:t>
+              <a:t>Model Selection (Attrition)</a:t>
             </a:r>
-            <a:endParaRPr b="0" lang="en-US" sz="4000" spc="-1" strike="noStrike">
-              <a:latin typeface="Arial"/>
-            </a:endParaRPr>
-          </a:p>
-        </p:txBody>
-      </p:sp>
-      <p:pic>
-        <p:nvPicPr>
-          <p:cNvPr id="133" name="" descr=""/>
-          <p:cNvPicPr/>
-          <p:nvPr/>
-        </p:nvPicPr>
-        <p:blipFill>
-          <a:blip r:embed="rId1"/>
-          <a:stretch/>
-        </p:blipFill>
-        <p:spPr>
-          <a:xfrm>
-            <a:off x="556560" y="1737360"/>
-            <a:ext cx="8221680" cy="5486400"/>
-          </a:xfrm>
-          <a:prstGeom prst="rect">
-            <a:avLst/>
-          </a:prstGeom>
-          <a:ln>
-            <a:noFill/>
-          </a:ln>
-        </p:spPr>
-      </p:pic>
+            <a:endParaRPr b="0" lang="en-US" sz="4400" spc="-1" strike="noStrike">
+              <a:latin typeface="Arial"/>
+            </a:endParaRPr>
+          </a:p>
+          <a:p>
+            <a:pPr marL="285840" algn="ctr">
+              <a:lnSpc>
+                <a:spcPct val="100000"/>
+              </a:lnSpc>
+            </a:pPr>
+            <a:endParaRPr b="0" lang="en-US" sz="4400" spc="-1" strike="noStrike">
+              <a:latin typeface="Arial"/>
+            </a:endParaRPr>
+          </a:p>
+          <a:p>
+            <a:pPr marL="285840" algn="ctr">
+              <a:lnSpc>
+                <a:spcPct val="100000"/>
+              </a:lnSpc>
+            </a:pPr>
+            <a:r>
+              <a:rPr b="0" lang="en-US" sz="3600" spc="-1" strike="noStrike">
+                <a:solidFill>
+                  <a:srgbClr val="ffffff"/>
+                </a:solidFill>
+                <a:latin typeface="Arial"/>
+                <a:ea typeface="DejaVu Sans"/>
+              </a:rPr>
+              <a:t>Naive Bayes using Feature/Variable selection</a:t>
+            </a:r>
+            <a:endParaRPr b="0" lang="en-US" sz="3600" spc="-1" strike="noStrike">
+              <a:latin typeface="Arial"/>
+            </a:endParaRPr>
+          </a:p>
+        </p:txBody>
+      </p:sp>
     </p:spTree>
   </p:cSld>
   <mc:AlternateContent>
@@ -5320,14 +5324,14 @@
       </p:grpSpPr>
       <p:sp>
         <p:nvSpPr>
-          <p:cNvPr id="134" name="CustomShape 1"/>
+          <p:cNvPr id="133" name="CustomShape 1"/>
           <p:cNvSpPr/>
           <p:nvPr/>
         </p:nvSpPr>
         <p:spPr>
           <a:xfrm>
-            <a:off x="271440" y="1923120"/>
-            <a:ext cx="9600120" cy="2691720"/>
+            <a:off x="332640" y="473760"/>
+            <a:ext cx="7530840" cy="730080"/>
           </a:xfrm>
           <a:prstGeom prst="rect">
             <a:avLst/>
@@ -5344,113 +5348,77 @@
           <a:fontRef idx="minor"/>
         </p:style>
         <p:txBody>
-          <a:bodyPr lIns="0" rIns="0" tIns="0" bIns="0" anchor="ctr">
+          <a:bodyPr lIns="90000" rIns="90000" tIns="45000" bIns="45000">
             <a:noAutofit/>
           </a:bodyPr>
           <a:p>
-            <a:pPr marL="285840" algn="ctr">
+            <a:pPr>
               <a:lnSpc>
                 <a:spcPct val="100000"/>
               </a:lnSpc>
             </a:pPr>
             <a:r>
-              <a:rPr b="0" lang="en-US" sz="4400" spc="-1" strike="noStrike">
+              <a:rPr b="0" lang="en-US" sz="4000" spc="-1" strike="noStrike">
                 <a:solidFill>
-                  <a:srgbClr val="ffffff"/>
+                  <a:srgbClr val="000000"/>
                 </a:solidFill>
                 <a:latin typeface="Arial"/>
+                <a:ea typeface="Arial"/>
               </a:rPr>
-              <a:t>Model </a:t>
+              <a:t>Feature Selection Using Boruta.</a:t>
             </a:r>
-            <a:r>
-              <a:rPr b="0" lang="en-US" sz="4400" spc="-1" strike="noStrike">
-                <a:solidFill>
-                  <a:srgbClr val="ffffff"/>
-                </a:solidFill>
-                <a:latin typeface="Arial"/>
-              </a:rPr>
-              <a:t>Selection </a:t>
-            </a:r>
-            <a:r>
-              <a:rPr b="0" lang="en-US" sz="4400" spc="-1" strike="noStrike">
-                <a:solidFill>
-                  <a:srgbClr val="ffffff"/>
-                </a:solidFill>
-                <a:latin typeface="Arial"/>
-              </a:rPr>
-              <a:t>(Monthly </a:t>
-            </a:r>
-            <a:r>
-              <a:rPr b="0" lang="en-US" sz="4400" spc="-1" strike="noStrike">
-                <a:solidFill>
-                  <a:srgbClr val="ffffff"/>
-                </a:solidFill>
-                <a:latin typeface="Arial"/>
-              </a:rPr>
-              <a:t>Income)</a:t>
-            </a:r>
-            <a:endParaRPr b="0" lang="en-US" sz="4400" spc="-1" strike="noStrike">
-              <a:latin typeface="Arial"/>
-            </a:endParaRPr>
-          </a:p>
-          <a:p>
-            <a:pPr marL="285840" algn="ctr">
-              <a:lnSpc>
-                <a:spcPct val="100000"/>
-              </a:lnSpc>
-            </a:pPr>
-            <a:endParaRPr b="0" lang="en-US" sz="4400" spc="-1" strike="noStrike">
-              <a:latin typeface="Arial"/>
-            </a:endParaRPr>
-          </a:p>
-          <a:p>
-            <a:pPr marL="285840" algn="ctr">
-              <a:lnSpc>
-                <a:spcPct val="100000"/>
-              </a:lnSpc>
-            </a:pPr>
-            <a:r>
-              <a:rPr b="0" lang="en-US" sz="3600" spc="-1" strike="noStrike">
-                <a:solidFill>
-                  <a:srgbClr val="ffffff"/>
-                </a:solidFill>
-                <a:latin typeface="Arial"/>
-              </a:rPr>
-              <a:t>Regression </a:t>
-            </a:r>
-            <a:r>
-              <a:rPr b="0" lang="en-US" sz="3600" spc="-1" strike="noStrike">
-                <a:solidFill>
-                  <a:srgbClr val="ffffff"/>
-                </a:solidFill>
-                <a:latin typeface="Arial"/>
-              </a:rPr>
-              <a:t>using Feature/</a:t>
-            </a:r>
-            <a:r>
-              <a:rPr b="0" lang="en-US" sz="3600" spc="-1" strike="noStrike">
-                <a:solidFill>
-                  <a:srgbClr val="ffffff"/>
-                </a:solidFill>
-                <a:latin typeface="Arial"/>
-              </a:rPr>
-              <a:t>Variable </a:t>
-            </a:r>
-            <a:r>
-              <a:rPr b="0" lang="en-US" sz="3600" spc="-1" strike="noStrike">
-                <a:solidFill>
-                  <a:srgbClr val="ffffff"/>
-                </a:solidFill>
-                <a:latin typeface="Arial"/>
-              </a:rPr>
-              <a:t>selection</a:t>
-            </a:r>
-            <a:endParaRPr b="0" lang="en-US" sz="3600" spc="-1" strike="noStrike">
-              <a:latin typeface="Arial"/>
-            </a:endParaRPr>
-          </a:p>
-        </p:txBody>
-      </p:sp>
+            <a:endParaRPr b="0" lang="en-US" sz="4000" spc="-1" strike="noStrike">
+              <a:latin typeface="Arial"/>
+            </a:endParaRPr>
+          </a:p>
+        </p:txBody>
+      </p:sp>
+      <p:pic>
+        <p:nvPicPr>
+          <p:cNvPr id="134" name="" descr=""/>
+          <p:cNvPicPr/>
+          <p:nvPr/>
+        </p:nvPicPr>
+        <p:blipFill>
+          <a:blip r:embed="rId1"/>
+          <a:stretch/>
+        </p:blipFill>
+        <p:spPr>
+          <a:xfrm>
+            <a:off x="1653840" y="5760720"/>
+            <a:ext cx="6209640" cy="913680"/>
+          </a:xfrm>
+          <a:prstGeom prst="rect">
+            <a:avLst/>
+          </a:prstGeom>
+          <a:ln>
+            <a:noFill/>
+          </a:ln>
+        </p:spPr>
+      </p:pic>
+      <p:pic>
+        <p:nvPicPr>
+          <p:cNvPr id="135" name="" descr=""/>
+          <p:cNvPicPr/>
+          <p:nvPr/>
+        </p:nvPicPr>
+        <p:blipFill>
+          <a:blip r:embed="rId2"/>
+          <a:stretch/>
+        </p:blipFill>
+        <p:spPr>
+          <a:xfrm>
+            <a:off x="2245680" y="2011680"/>
+            <a:ext cx="5343480" cy="3382920"/>
+          </a:xfrm>
+          <a:prstGeom prst="rect">
+            <a:avLst/>
+          </a:prstGeom>
+          <a:ln>
+            <a:noFill/>
+          </a:ln>
+        </p:spPr>
+      </p:pic>
     </p:spTree>
   </p:cSld>
   <mc:AlternateContent>
@@ -5483,14 +5451,14 @@
       </p:grpSpPr>
       <p:sp>
         <p:nvSpPr>
-          <p:cNvPr id="135" name="CustomShape 1"/>
+          <p:cNvPr id="136" name="CustomShape 1"/>
           <p:cNvSpPr/>
           <p:nvPr/>
         </p:nvSpPr>
         <p:spPr>
           <a:xfrm>
             <a:off x="332640" y="473760"/>
-            <a:ext cx="7531200" cy="730440"/>
+            <a:ext cx="7530840" cy="730080"/>
           </a:xfrm>
           <a:prstGeom prst="rect">
             <a:avLst/>
@@ -5524,7 +5492,7 @@
                 <a:latin typeface="Arial"/>
                 <a:ea typeface="Arial"/>
               </a:rPr>
-              <a:t>Feature Selection Using Boruta.</a:t>
+              <a:t>Classification prediction Model</a:t>
             </a:r>
             <a:endParaRPr b="0" lang="en-US" sz="4000" spc="-1" strike="noStrike">
               <a:latin typeface="Arial"/>
@@ -5534,7 +5502,7 @@
       </p:sp>
       <p:pic>
         <p:nvPicPr>
-          <p:cNvPr id="136" name="" descr=""/>
+          <p:cNvPr id="137" name="" descr=""/>
           <p:cNvPicPr/>
           <p:nvPr/>
         </p:nvPicPr>
@@ -5544,31 +5512,8 @@
         </p:blipFill>
         <p:spPr>
           <a:xfrm>
-            <a:off x="393840" y="3013920"/>
-            <a:ext cx="6757920" cy="4023360"/>
-          </a:xfrm>
-          <a:prstGeom prst="rect">
-            <a:avLst/>
-          </a:prstGeom>
-          <a:ln>
-            <a:noFill/>
-          </a:ln>
-        </p:spPr>
-      </p:pic>
-      <p:pic>
-        <p:nvPicPr>
-          <p:cNvPr id="137" name="" descr=""/>
-          <p:cNvPicPr/>
-          <p:nvPr/>
-        </p:nvPicPr>
-        <p:blipFill>
-          <a:blip r:embed="rId2"/>
-          <a:stretch/>
-        </p:blipFill>
-        <p:spPr>
-          <a:xfrm>
-            <a:off x="1401840" y="1441080"/>
-            <a:ext cx="5057280" cy="1504440"/>
+            <a:off x="585360" y="1987920"/>
+            <a:ext cx="9000360" cy="3913920"/>
           </a:xfrm>
           <a:prstGeom prst="rect">
             <a:avLst/>
@@ -5617,7 +5562,7 @@
         <p:spPr>
           <a:xfrm>
             <a:off x="332640" y="473760"/>
-            <a:ext cx="7531200" cy="730440"/>
+            <a:ext cx="7530840" cy="730080"/>
           </a:xfrm>
           <a:prstGeom prst="rect">
             <a:avLst/>
@@ -5651,7 +5596,7 @@
                 <a:latin typeface="Arial"/>
                 <a:ea typeface="Arial"/>
               </a:rPr>
-              <a:t>Continuous Variable prediction  Model</a:t>
+              <a:t>Naive Bayes Model Contd..</a:t>
             </a:r>
             <a:endParaRPr b="0" lang="en-US" sz="4000" spc="-1" strike="noStrike">
               <a:latin typeface="Arial"/>
@@ -5671,8 +5616,8 @@
         </p:blipFill>
         <p:spPr>
           <a:xfrm>
-            <a:off x="676800" y="2286000"/>
-            <a:ext cx="8924400" cy="2647440"/>
+            <a:off x="556560" y="1737360"/>
+            <a:ext cx="8221320" cy="5486040"/>
           </a:xfrm>
           <a:prstGeom prst="rect">
             <a:avLst/>
@@ -5720,8 +5665,8 @@
         </p:nvSpPr>
         <p:spPr>
           <a:xfrm>
-            <a:off x="2012400" y="1737360"/>
-            <a:ext cx="7314120" cy="3474720"/>
+            <a:off x="271440" y="1923120"/>
+            <a:ext cx="9599760" cy="2691360"/>
           </a:xfrm>
           <a:prstGeom prst="rect">
             <a:avLst/>
@@ -5742,203 +5687,52 @@
             <a:noAutofit/>
           </a:bodyPr>
           <a:p>
-            <a:pPr marL="216000" indent="-215640">
-              <a:lnSpc>
-                <a:spcPct val="100000"/>
-              </a:lnSpc>
-              <a:spcBef>
-                <a:spcPts val="1191"/>
-              </a:spcBef>
-              <a:spcAft>
-                <a:spcPts val="992"/>
-              </a:spcAft>
-              <a:buClr>
-                <a:srgbClr val="ffffff"/>
-              </a:buClr>
-              <a:buFont typeface="Wingdings" charset="2"/>
-              <a:buChar char=""/>
-            </a:pPr>
-            <a:r>
-              <a:rPr b="0" lang="en-US" sz="1800" spc="-1" strike="noStrike">
-                <a:solidFill>
-                  <a:srgbClr val="ffffff"/>
-                </a:solidFill>
-                <a:latin typeface="Arial"/>
-                <a:ea typeface="Arial"/>
-              </a:rPr>
-              <a:t>We analyzed at data set for employment attrition and how it relates to other variables in the data set; we have also analyzed how some of these variables relate to the monthly income. </a:t>
-            </a:r>
-            <a:endParaRPr b="0" lang="en-US" sz="1800" spc="-1" strike="noStrike">
-              <a:latin typeface="Arial"/>
-            </a:endParaRPr>
-          </a:p>
-          <a:p>
-            <a:pPr marL="216000" indent="-215640">
-              <a:lnSpc>
-                <a:spcPct val="100000"/>
-              </a:lnSpc>
-              <a:spcBef>
-                <a:spcPts val="1191"/>
-              </a:spcBef>
-              <a:spcAft>
-                <a:spcPts val="992"/>
-              </a:spcAft>
-              <a:buClr>
-                <a:srgbClr val="ffffff"/>
-              </a:buClr>
-              <a:buFont typeface="Wingdings" charset="2"/>
-              <a:buChar char=""/>
-            </a:pPr>
-            <a:r>
-              <a:rPr b="0" lang="en-US" sz="1800" spc="-1" strike="noStrike">
-                <a:solidFill>
-                  <a:srgbClr val="ffffff"/>
-                </a:solidFill>
-                <a:latin typeface="Arial"/>
-                <a:ea typeface="Arial"/>
-              </a:rPr>
-              <a:t>We need more data, for our classification because there were much more No than Yes. </a:t>
-            </a:r>
-            <a:endParaRPr b="0" lang="en-US" sz="1800" spc="-1" strike="noStrike">
-              <a:latin typeface="Arial"/>
-            </a:endParaRPr>
-          </a:p>
-          <a:p>
-            <a:pPr marL="285840" indent="-215640">
-              <a:lnSpc>
-                <a:spcPct val="100000"/>
-              </a:lnSpc>
-              <a:buClr>
-                <a:srgbClr val="ffffff"/>
-              </a:buClr>
-              <a:buFont typeface="Wingdings" charset="2"/>
-              <a:buChar char=""/>
-            </a:pPr>
-            <a:r>
-              <a:rPr b="0" lang="en-US" sz="1800" spc="-1" strike="noStrike">
-                <a:solidFill>
-                  <a:srgbClr val="ffffff"/>
-                </a:solidFill>
-                <a:latin typeface="Arial"/>
-                <a:ea typeface="Arial"/>
-              </a:rPr>
-              <a:t>There were about 15-20 important variables for classification and 12 for regression model. There were less for regression.</a:t>
-            </a:r>
-            <a:endParaRPr b="0" lang="en-US" sz="1800" spc="-1" strike="noStrike">
-              <a:latin typeface="Arial"/>
-            </a:endParaRPr>
-          </a:p>
-          <a:p>
-            <a:pPr marL="285840" indent="-215640">
-              <a:lnSpc>
-                <a:spcPct val="100000"/>
-              </a:lnSpc>
-              <a:buClr>
-                <a:srgbClr val="ffffff"/>
-              </a:buClr>
-              <a:buFont typeface="Wingdings" charset="2"/>
-              <a:buChar char=""/>
-            </a:pPr>
-            <a:endParaRPr b="0" lang="en-US" sz="1800" spc="-1" strike="noStrike">
-              <a:latin typeface="Arial"/>
-            </a:endParaRPr>
-          </a:p>
-          <a:p>
-            <a:pPr marL="285840" indent="-215640">
-              <a:lnSpc>
-                <a:spcPct val="100000"/>
-              </a:lnSpc>
-              <a:buClr>
-                <a:srgbClr val="ffffff"/>
-              </a:buClr>
-              <a:buFont typeface="Wingdings" charset="2"/>
-              <a:buChar char=""/>
-            </a:pPr>
-            <a:r>
-              <a:rPr b="0" lang="en-US" sz="1800" spc="-1" strike="noStrike">
-                <a:solidFill>
-                  <a:srgbClr val="ffffff"/>
-                </a:solidFill>
-                <a:latin typeface="Arial"/>
-                <a:ea typeface="Arial"/>
-              </a:rPr>
-              <a:t>We achieved the goals set for our classification and regression models.</a:t>
-            </a:r>
-            <a:endParaRPr b="0" lang="en-US" sz="1800" spc="-1" strike="noStrike">
-              <a:latin typeface="Arial"/>
-            </a:endParaRPr>
-          </a:p>
-        </p:txBody>
-      </p:sp>
-      <p:pic>
-        <p:nvPicPr>
-          <p:cNvPr id="141" name="" descr=""/>
-          <p:cNvPicPr/>
-          <p:nvPr/>
-        </p:nvPicPr>
-        <p:blipFill>
-          <a:blip r:embed="rId1"/>
-          <a:stretch/>
-        </p:blipFill>
-        <p:spPr>
-          <a:xfrm>
-            <a:off x="192240" y="3108960"/>
-            <a:ext cx="1270800" cy="446400"/>
-          </a:xfrm>
-          <a:prstGeom prst="rect">
-            <a:avLst/>
-          </a:prstGeom>
-          <a:ln>
-            <a:noFill/>
-          </a:ln>
-        </p:spPr>
-      </p:pic>
-      <p:sp>
-        <p:nvSpPr>
-          <p:cNvPr id="142" name="CustomShape 2"/>
-          <p:cNvSpPr/>
-          <p:nvPr/>
-        </p:nvSpPr>
-        <p:spPr>
-          <a:xfrm>
-            <a:off x="3200400" y="548640"/>
-            <a:ext cx="4754520" cy="1005480"/>
-          </a:xfrm>
-          <a:prstGeom prst="rect">
-            <a:avLst/>
-          </a:prstGeom>
-          <a:noFill/>
-          <a:ln>
-            <a:noFill/>
-          </a:ln>
-        </p:spPr>
-        <p:style>
-          <a:lnRef idx="0"/>
-          <a:fillRef idx="0"/>
-          <a:effectRef idx="0"/>
-          <a:fontRef idx="minor"/>
-        </p:style>
-        <p:txBody>
-          <a:bodyPr lIns="90000" rIns="90000" tIns="45000" bIns="45000">
-            <a:noAutofit/>
-          </a:bodyPr>
-          <a:p>
-            <a:pPr>
+            <a:pPr marL="285840" algn="ctr">
               <a:lnSpc>
                 <a:spcPct val="100000"/>
               </a:lnSpc>
             </a:pPr>
             <a:r>
-              <a:rPr b="0" lang="en-US" sz="6000" spc="-1" strike="noStrike">
+              <a:rPr b="0" lang="en-US" sz="4400" spc="-1" strike="noStrike">
                 <a:solidFill>
                   <a:srgbClr val="ffffff"/>
                 </a:solidFill>
                 <a:latin typeface="Arial"/>
                 <a:ea typeface="DejaVu Sans"/>
               </a:rPr>
-              <a:t>Takeaways</a:t>
+              <a:t>Model Selection (Monthly Income)</a:t>
             </a:r>
-            <a:endParaRPr b="0" lang="en-US" sz="6000" spc="-1" strike="noStrike">
+            <a:endParaRPr b="0" lang="en-US" sz="4400" spc="-1" strike="noStrike">
+              <a:latin typeface="Arial"/>
+            </a:endParaRPr>
+          </a:p>
+          <a:p>
+            <a:pPr marL="285840" algn="ctr">
+              <a:lnSpc>
+                <a:spcPct val="100000"/>
+              </a:lnSpc>
+            </a:pPr>
+            <a:endParaRPr b="0" lang="en-US" sz="4400" spc="-1" strike="noStrike">
+              <a:latin typeface="Arial"/>
+            </a:endParaRPr>
+          </a:p>
+          <a:p>
+            <a:pPr marL="285840" algn="ctr">
+              <a:lnSpc>
+                <a:spcPct val="100000"/>
+              </a:lnSpc>
+            </a:pPr>
+            <a:r>
+              <a:rPr b="0" lang="en-US" sz="3600" spc="-1" strike="noStrike">
+                <a:solidFill>
+                  <a:srgbClr val="ffffff"/>
+                </a:solidFill>
+                <a:latin typeface="Arial"/>
+                <a:ea typeface="DejaVu Sans"/>
+              </a:rPr>
+              <a:t>Regression using Feature/Variable selection</a:t>
+            </a:r>
+            <a:endParaRPr b="0" lang="en-US" sz="3600" spc="-1" strike="noStrike">
               <a:latin typeface="Arial"/>
             </a:endParaRPr>
           </a:p>
@@ -5976,14 +5770,502 @@
       </p:grpSpPr>
       <p:sp>
         <p:nvSpPr>
-          <p:cNvPr id="143" name="CustomShape 1"/>
+          <p:cNvPr id="141" name="CustomShape 1"/>
           <p:cNvSpPr/>
           <p:nvPr/>
         </p:nvSpPr>
         <p:spPr>
           <a:xfrm>
+            <a:off x="332640" y="473760"/>
+            <a:ext cx="7530840" cy="730080"/>
+          </a:xfrm>
+          <a:prstGeom prst="rect">
+            <a:avLst/>
+          </a:prstGeom>
+          <a:noFill/>
+          <a:ln>
+            <a:noFill/>
+          </a:ln>
+        </p:spPr>
+        <p:style>
+          <a:lnRef idx="0"/>
+          <a:fillRef idx="0"/>
+          <a:effectRef idx="0"/>
+          <a:fontRef idx="minor"/>
+        </p:style>
+        <p:txBody>
+          <a:bodyPr lIns="90000" rIns="90000" tIns="45000" bIns="45000">
+            <a:noAutofit/>
+          </a:bodyPr>
+          <a:p>
+            <a:pPr>
+              <a:lnSpc>
+                <a:spcPct val="100000"/>
+              </a:lnSpc>
+            </a:pPr>
+            <a:r>
+              <a:rPr b="0" lang="en-US" sz="4000" spc="-1" strike="noStrike">
+                <a:solidFill>
+                  <a:srgbClr val="000000"/>
+                </a:solidFill>
+                <a:latin typeface="Arial"/>
+                <a:ea typeface="Arial"/>
+              </a:rPr>
+              <a:t>Feature Selection Using Boruta.</a:t>
+            </a:r>
+            <a:endParaRPr b="0" lang="en-US" sz="4000" spc="-1" strike="noStrike">
+              <a:latin typeface="Arial"/>
+            </a:endParaRPr>
+          </a:p>
+        </p:txBody>
+      </p:sp>
+      <p:pic>
+        <p:nvPicPr>
+          <p:cNvPr id="142" name="" descr=""/>
+          <p:cNvPicPr/>
+          <p:nvPr/>
+        </p:nvPicPr>
+        <p:blipFill>
+          <a:blip r:embed="rId1"/>
+          <a:stretch/>
+        </p:blipFill>
+        <p:spPr>
+          <a:xfrm>
+            <a:off x="393840" y="3013920"/>
+            <a:ext cx="6757560" cy="4023000"/>
+          </a:xfrm>
+          <a:prstGeom prst="rect">
+            <a:avLst/>
+          </a:prstGeom>
+          <a:ln>
+            <a:noFill/>
+          </a:ln>
+        </p:spPr>
+      </p:pic>
+      <p:pic>
+        <p:nvPicPr>
+          <p:cNvPr id="143" name="" descr=""/>
+          <p:cNvPicPr/>
+          <p:nvPr/>
+        </p:nvPicPr>
+        <p:blipFill>
+          <a:blip r:embed="rId2"/>
+          <a:stretch/>
+        </p:blipFill>
+        <p:spPr>
+          <a:xfrm>
+            <a:off x="1401840" y="1441080"/>
+            <a:ext cx="5056920" cy="1504080"/>
+          </a:xfrm>
+          <a:prstGeom prst="rect">
+            <a:avLst/>
+          </a:prstGeom>
+          <a:ln>
+            <a:noFill/>
+          </a:ln>
+        </p:spPr>
+      </p:pic>
+    </p:spTree>
+  </p:cSld>
+  <mc:AlternateContent>
+    <mc:Choice Requires="p14">
+      <p:transition spd="slow" p14:dur="2000"/>
+    </mc:Choice>
+    <mc:Fallback>
+      <p:transition spd="slow"/>
+    </mc:Fallback>
+  </mc:AlternateContent>
+</p:sld>
+</file>
+
+<file path=ppt/slides/slide17.xml><?xml version="1.0" encoding="utf-8"?>
+<p:sld xmlns:a="http://schemas.openxmlformats.org/drawingml/2006/main" xmlns:p="http://schemas.openxmlformats.org/presentationml/2006/main" xmlns:r="http://schemas.openxmlformats.org/officeDocument/2006/relationships" xmlns:p14="http://schemas.microsoft.com/office/powerpoint/2010/main" xmlns:p15="http://schemas.microsoft.com/office/powerpoint/2012/main" xmlns:mc="http://schemas.openxmlformats.org/markup-compatibility/2006">
+  <p:cSld>
+    <p:spTree>
+      <p:nvGrpSpPr>
+        <p:cNvPr id="1" name=""/>
+        <p:cNvGrpSpPr/>
+        <p:nvPr/>
+      </p:nvGrpSpPr>
+      <p:grpSpPr>
+        <a:xfrm>
+          <a:off x="0" y="0"/>
+          <a:ext cx="0" cy="0"/>
+          <a:chOff x="0" y="0"/>
+          <a:chExt cx="0" cy="0"/>
+        </a:xfrm>
+      </p:grpSpPr>
+      <p:sp>
+        <p:nvSpPr>
+          <p:cNvPr id="144" name="CustomShape 1"/>
+          <p:cNvSpPr/>
+          <p:nvPr/>
+        </p:nvSpPr>
+        <p:spPr>
+          <a:xfrm>
+            <a:off x="332640" y="473760"/>
+            <a:ext cx="7530840" cy="730080"/>
+          </a:xfrm>
+          <a:prstGeom prst="rect">
+            <a:avLst/>
+          </a:prstGeom>
+          <a:noFill/>
+          <a:ln>
+            <a:noFill/>
+          </a:ln>
+        </p:spPr>
+        <p:style>
+          <a:lnRef idx="0"/>
+          <a:fillRef idx="0"/>
+          <a:effectRef idx="0"/>
+          <a:fontRef idx="minor"/>
+        </p:style>
+        <p:txBody>
+          <a:bodyPr lIns="90000" rIns="90000" tIns="45000" bIns="45000">
+            <a:noAutofit/>
+          </a:bodyPr>
+          <a:p>
+            <a:pPr>
+              <a:lnSpc>
+                <a:spcPct val="100000"/>
+              </a:lnSpc>
+            </a:pPr>
+            <a:r>
+              <a:rPr b="0" lang="en-US" sz="4000" spc="-1" strike="noStrike">
+                <a:solidFill>
+                  <a:srgbClr val="000000"/>
+                </a:solidFill>
+                <a:latin typeface="Arial"/>
+                <a:ea typeface="Arial"/>
+              </a:rPr>
+              <a:t>Continuous Variable prediction  Model</a:t>
+            </a:r>
+            <a:endParaRPr b="0" lang="en-US" sz="4000" spc="-1" strike="noStrike">
+              <a:latin typeface="Arial"/>
+            </a:endParaRPr>
+          </a:p>
+        </p:txBody>
+      </p:sp>
+      <p:pic>
+        <p:nvPicPr>
+          <p:cNvPr id="145" name="" descr=""/>
+          <p:cNvPicPr/>
+          <p:nvPr/>
+        </p:nvPicPr>
+        <p:blipFill>
+          <a:blip r:embed="rId1"/>
+          <a:stretch/>
+        </p:blipFill>
+        <p:spPr>
+          <a:xfrm>
+            <a:off x="676800" y="2286000"/>
+            <a:ext cx="8924040" cy="2647080"/>
+          </a:xfrm>
+          <a:prstGeom prst="rect">
+            <a:avLst/>
+          </a:prstGeom>
+          <a:ln>
+            <a:noFill/>
+          </a:ln>
+        </p:spPr>
+      </p:pic>
+    </p:spTree>
+  </p:cSld>
+  <mc:AlternateContent>
+    <mc:Choice Requires="p14">
+      <p:transition spd="slow" p14:dur="2000"/>
+    </mc:Choice>
+    <mc:Fallback>
+      <p:transition spd="slow"/>
+    </mc:Fallback>
+  </mc:AlternateContent>
+</p:sld>
+</file>
+
+<file path=ppt/slides/slide18.xml><?xml version="1.0" encoding="utf-8"?>
+<p:sld xmlns:a="http://schemas.openxmlformats.org/drawingml/2006/main" xmlns:p="http://schemas.openxmlformats.org/presentationml/2006/main" xmlns:r="http://schemas.openxmlformats.org/officeDocument/2006/relationships" xmlns:p14="http://schemas.microsoft.com/office/powerpoint/2010/main" xmlns:p15="http://schemas.microsoft.com/office/powerpoint/2012/main" xmlns:mc="http://schemas.openxmlformats.org/markup-compatibility/2006">
+  <p:cSld>
+    <p:spTree>
+      <p:nvGrpSpPr>
+        <p:cNvPr id="1" name=""/>
+        <p:cNvGrpSpPr/>
+        <p:nvPr/>
+      </p:nvGrpSpPr>
+      <p:grpSpPr>
+        <a:xfrm>
+          <a:off x="0" y="0"/>
+          <a:ext cx="0" cy="0"/>
+          <a:chOff x="0" y="0"/>
+          <a:chExt cx="0" cy="0"/>
+        </a:xfrm>
+      </p:grpSpPr>
+      <p:sp>
+        <p:nvSpPr>
+          <p:cNvPr id="146" name="CustomShape 1"/>
+          <p:cNvSpPr/>
+          <p:nvPr/>
+        </p:nvSpPr>
+        <p:spPr>
+          <a:xfrm>
+            <a:off x="2012400" y="1737360"/>
+            <a:ext cx="7313760" cy="3474360"/>
+          </a:xfrm>
+          <a:prstGeom prst="rect">
+            <a:avLst/>
+          </a:prstGeom>
+          <a:noFill/>
+          <a:ln>
+            <a:noFill/>
+          </a:ln>
+        </p:spPr>
+        <p:style>
+          <a:lnRef idx="0"/>
+          <a:fillRef idx="0"/>
+          <a:effectRef idx="0"/>
+          <a:fontRef idx="minor"/>
+        </p:style>
+        <p:txBody>
+          <a:bodyPr lIns="0" rIns="0" tIns="0" bIns="0" anchor="ctr">
+            <a:noAutofit/>
+          </a:bodyPr>
+          <a:p>
+            <a:pPr marL="216000" indent="-215280">
+              <a:lnSpc>
+                <a:spcPct val="100000"/>
+              </a:lnSpc>
+              <a:spcBef>
+                <a:spcPts val="1191"/>
+              </a:spcBef>
+              <a:spcAft>
+                <a:spcPts val="992"/>
+              </a:spcAft>
+              <a:buClr>
+                <a:srgbClr val="ffffff"/>
+              </a:buClr>
+              <a:buFont typeface="Wingdings" charset="2"/>
+              <a:buChar char=""/>
+            </a:pPr>
+            <a:r>
+              <a:rPr b="0" lang="en-US" sz="1800" spc="-1" strike="noStrike">
+                <a:solidFill>
+                  <a:srgbClr val="ffffff"/>
+                </a:solidFill>
+                <a:latin typeface="Arial"/>
+                <a:ea typeface="Arial"/>
+              </a:rPr>
+              <a:t>We analyzed at data set for employment attrition and how it relates to other variables in the data set; we have also analyzed how some of these variables relate to the monthly income. </a:t>
+            </a:r>
+            <a:endParaRPr b="0" lang="en-US" sz="1800" spc="-1" strike="noStrike">
+              <a:latin typeface="Arial"/>
+            </a:endParaRPr>
+          </a:p>
+          <a:p>
+            <a:pPr marL="216000" indent="-215280">
+              <a:lnSpc>
+                <a:spcPct val="100000"/>
+              </a:lnSpc>
+              <a:spcBef>
+                <a:spcPts val="1191"/>
+              </a:spcBef>
+              <a:spcAft>
+                <a:spcPts val="992"/>
+              </a:spcAft>
+              <a:buClr>
+                <a:srgbClr val="ffffff"/>
+              </a:buClr>
+              <a:buFont typeface="Wingdings" charset="2"/>
+              <a:buChar char=""/>
+            </a:pPr>
+            <a:r>
+              <a:rPr b="0" lang="en-US" sz="1800" spc="-1" strike="noStrike">
+                <a:solidFill>
+                  <a:srgbClr val="ffffff"/>
+                </a:solidFill>
+                <a:latin typeface="Arial"/>
+                <a:ea typeface="Arial"/>
+              </a:rPr>
+              <a:t>We need more data, for our classification because there were much more No than Yes. </a:t>
+            </a:r>
+            <a:endParaRPr b="0" lang="en-US" sz="1800" spc="-1" strike="noStrike">
+              <a:latin typeface="Arial"/>
+            </a:endParaRPr>
+          </a:p>
+          <a:p>
+            <a:pPr marL="285840" indent="-215280">
+              <a:lnSpc>
+                <a:spcPct val="100000"/>
+              </a:lnSpc>
+              <a:buClr>
+                <a:srgbClr val="ffffff"/>
+              </a:buClr>
+              <a:buFont typeface="Wingdings" charset="2"/>
+              <a:buChar char=""/>
+            </a:pPr>
+            <a:r>
+              <a:rPr b="0" lang="en-US" sz="1800" spc="-1" strike="noStrike">
+                <a:solidFill>
+                  <a:srgbClr val="ffffff"/>
+                </a:solidFill>
+                <a:latin typeface="Arial"/>
+                <a:ea typeface="Arial"/>
+              </a:rPr>
+              <a:t>There were about 15-20 important variables for classification and 12 for regression model. There were less for regression.</a:t>
+            </a:r>
+            <a:endParaRPr b="0" lang="en-US" sz="1800" spc="-1" strike="noStrike">
+              <a:latin typeface="Arial"/>
+            </a:endParaRPr>
+          </a:p>
+          <a:p>
+            <a:pPr>
+              <a:lnSpc>
+                <a:spcPct val="100000"/>
+              </a:lnSpc>
+            </a:pPr>
+            <a:endParaRPr b="0" lang="en-US" sz="1800" spc="-1" strike="noStrike">
+              <a:latin typeface="Arial"/>
+            </a:endParaRPr>
+          </a:p>
+          <a:p>
+            <a:pPr marL="285840" indent="-215280">
+              <a:lnSpc>
+                <a:spcPct val="100000"/>
+              </a:lnSpc>
+              <a:buClr>
+                <a:srgbClr val="ffffff"/>
+              </a:buClr>
+              <a:buFont typeface="Wingdings" charset="2"/>
+              <a:buChar char=""/>
+            </a:pPr>
+            <a:r>
+              <a:rPr b="0" lang="en-US" sz="1800" spc="-1" strike="noStrike">
+                <a:solidFill>
+                  <a:srgbClr val="ffffff"/>
+                </a:solidFill>
+                <a:latin typeface="Arial"/>
+                <a:ea typeface="Arial"/>
+              </a:rPr>
+              <a:t>We achieved the goals set for our classification and regression models.</a:t>
+            </a:r>
+            <a:endParaRPr b="0" lang="en-US" sz="1800" spc="-1" strike="noStrike">
+              <a:latin typeface="Arial"/>
+            </a:endParaRPr>
+          </a:p>
+        </p:txBody>
+      </p:sp>
+      <p:pic>
+        <p:nvPicPr>
+          <p:cNvPr id="147" name="" descr=""/>
+          <p:cNvPicPr/>
+          <p:nvPr/>
+        </p:nvPicPr>
+        <p:blipFill>
+          <a:blip r:embed="rId1"/>
+          <a:stretch/>
+        </p:blipFill>
+        <p:spPr>
+          <a:xfrm>
+            <a:off x="192240" y="3108960"/>
+            <a:ext cx="1270440" cy="446040"/>
+          </a:xfrm>
+          <a:prstGeom prst="rect">
+            <a:avLst/>
+          </a:prstGeom>
+          <a:ln>
+            <a:noFill/>
+          </a:ln>
+        </p:spPr>
+      </p:pic>
+      <p:sp>
+        <p:nvSpPr>
+          <p:cNvPr id="148" name="CustomShape 2"/>
+          <p:cNvSpPr/>
+          <p:nvPr/>
+        </p:nvSpPr>
+        <p:spPr>
+          <a:xfrm>
+            <a:off x="3200400" y="548640"/>
+            <a:ext cx="4754160" cy="1005120"/>
+          </a:xfrm>
+          <a:prstGeom prst="rect">
+            <a:avLst/>
+          </a:prstGeom>
+          <a:noFill/>
+          <a:ln>
+            <a:noFill/>
+          </a:ln>
+        </p:spPr>
+        <p:style>
+          <a:lnRef idx="0"/>
+          <a:fillRef idx="0"/>
+          <a:effectRef idx="0"/>
+          <a:fontRef idx="minor"/>
+        </p:style>
+        <p:txBody>
+          <a:bodyPr lIns="90000" rIns="90000" tIns="45000" bIns="45000">
+            <a:noAutofit/>
+          </a:bodyPr>
+          <a:p>
+            <a:pPr>
+              <a:lnSpc>
+                <a:spcPct val="100000"/>
+              </a:lnSpc>
+            </a:pPr>
+            <a:r>
+              <a:rPr b="0" lang="en-US" sz="6000" spc="-1" strike="noStrike">
+                <a:solidFill>
+                  <a:srgbClr val="ffffff"/>
+                </a:solidFill>
+                <a:latin typeface="Arial"/>
+                <a:ea typeface="DejaVu Sans"/>
+              </a:rPr>
+              <a:t>Takeaways</a:t>
+            </a:r>
+            <a:endParaRPr b="0" lang="en-US" sz="6000" spc="-1" strike="noStrike">
+              <a:latin typeface="Arial"/>
+            </a:endParaRPr>
+          </a:p>
+        </p:txBody>
+      </p:sp>
+    </p:spTree>
+  </p:cSld>
+  <mc:AlternateContent>
+    <mc:Choice Requires="p14">
+      <p:transition spd="slow" p14:dur="2000"/>
+    </mc:Choice>
+    <mc:Fallback>
+      <p:transition spd="slow"/>
+    </mc:Fallback>
+  </mc:AlternateContent>
+</p:sld>
+</file>
+
+<file path=ppt/slides/slide19.xml><?xml version="1.0" encoding="utf-8"?>
+<p:sld xmlns:a="http://schemas.openxmlformats.org/drawingml/2006/main" xmlns:p="http://schemas.openxmlformats.org/presentationml/2006/main" xmlns:r="http://schemas.openxmlformats.org/officeDocument/2006/relationships" xmlns:p14="http://schemas.microsoft.com/office/powerpoint/2010/main" xmlns:p15="http://schemas.microsoft.com/office/powerpoint/2012/main" xmlns:mc="http://schemas.openxmlformats.org/markup-compatibility/2006">
+  <p:cSld>
+    <p:spTree>
+      <p:nvGrpSpPr>
+        <p:cNvPr id="1" name=""/>
+        <p:cNvGrpSpPr/>
+        <p:nvPr/>
+      </p:nvGrpSpPr>
+      <p:grpSpPr>
+        <a:xfrm>
+          <a:off x="0" y="0"/>
+          <a:ext cx="0" cy="0"/>
+          <a:chOff x="0" y="0"/>
+          <a:chExt cx="0" cy="0"/>
+        </a:xfrm>
+      </p:grpSpPr>
+      <p:sp>
+        <p:nvSpPr>
+          <p:cNvPr id="149" name="CustomShape 1"/>
+          <p:cNvSpPr/>
+          <p:nvPr/>
+        </p:nvSpPr>
+        <p:spPr>
+          <a:xfrm>
             <a:off x="1463040" y="1604880"/>
-            <a:ext cx="7314120" cy="2691720"/>
+            <a:ext cx="7313760" cy="2691360"/>
           </a:xfrm>
           <a:prstGeom prst="rect">
             <a:avLst/>
@@ -6027,7 +6309,7 @@
       </p:sp>
       <p:pic>
         <p:nvPicPr>
-          <p:cNvPr id="144" name="" descr=""/>
+          <p:cNvPr id="150" name="" descr=""/>
           <p:cNvPicPr/>
           <p:nvPr/>
         </p:nvPicPr>
@@ -6038,7 +6320,7 @@
         <p:spPr>
           <a:xfrm>
             <a:off x="816120" y="3621600"/>
-            <a:ext cx="1270800" cy="446400"/>
+            <a:ext cx="1270440" cy="446040"/>
           </a:xfrm>
           <a:prstGeom prst="rect">
             <a:avLst/>
@@ -6087,7 +6369,7 @@
         <p:spPr>
           <a:xfrm>
             <a:off x="504000" y="1620000"/>
-            <a:ext cx="9070560" cy="3422880"/>
+            <a:ext cx="8274240" cy="3957840"/>
           </a:xfrm>
           <a:prstGeom prst="rect">
             <a:avLst/>
@@ -6138,7 +6420,42 @@
             </a:endParaRPr>
           </a:p>
           <a:p>
-            <a:pPr marL="216000" indent="-216000">
+            <a:pPr>
+              <a:lnSpc>
+                <a:spcPct val="100000"/>
+              </a:lnSpc>
+            </a:pPr>
+            <a:r>
+              <a:rPr b="0" lang="en-US" sz="1600" spc="-1" strike="noStrike">
+                <a:solidFill>
+                  <a:srgbClr val="ffffff"/>
+                </a:solidFill>
+                <a:latin typeface="Arial"/>
+                <a:ea typeface="DejaVu Sans"/>
+              </a:rPr>
+              <a:t>DDSAnalytics is an analytics company that specializes in talent management solutions for Fortune 100 companies. </a:t>
+            </a:r>
+            <a:endParaRPr b="0" lang="en-US" sz="1600" spc="-1" strike="noStrike">
+              <a:latin typeface="Arial"/>
+            </a:endParaRPr>
+          </a:p>
+          <a:p>
+            <a:pPr marL="216000" indent="-215640">
+              <a:lnSpc>
+                <a:spcPct val="100000"/>
+              </a:lnSpc>
+              <a:buClr>
+                <a:srgbClr val="ffffff"/>
+              </a:buClr>
+              <a:buFont typeface="Wingdings" charset="2"/>
+              <a:buChar char=""/>
+            </a:pPr>
+            <a:endParaRPr b="0" lang="en-US" sz="1600" spc="-1" strike="noStrike">
+              <a:latin typeface="Arial"/>
+            </a:endParaRPr>
+          </a:p>
+          <a:p>
+            <a:pPr marL="216000" indent="-215640">
               <a:lnSpc>
                 <a:spcPct val="100000"/>
               </a:lnSpc>
@@ -6149,36 +6466,31 @@
               <a:buChar char=""/>
             </a:pPr>
             <a:r>
-              <a:rPr b="0" lang="en-US" sz="2000" spc="-1" strike="noStrike">
+              <a:rPr b="0" lang="en-US" sz="1600" spc="-1" strike="noStrike">
                 <a:solidFill>
                   <a:srgbClr val="ffffff"/>
                 </a:solidFill>
                 <a:latin typeface="Arial"/>
                 <a:ea typeface="DejaVu Sans"/>
               </a:rPr>
-              <a:t>DDSAnalytics is an analytics company that specializes in talent management solutions for Fortune 100 companies. </a:t>
+              <a:t>Identify the top three factors that contribute to turnover backed up by evidence provided by analysis</a:t>
             </a:r>
-            <a:endParaRPr b="0" lang="en-US" sz="2000" spc="-1" strike="noStrike">
-              <a:latin typeface="Arial"/>
-            </a:endParaRPr>
-          </a:p>
-          <a:p>
-            <a:pPr marL="216000" indent="-216000">
+            <a:endParaRPr b="0" lang="en-US" sz="1600" spc="-1" strike="noStrike">
+              <a:latin typeface="Arial"/>
+            </a:endParaRPr>
+          </a:p>
+          <a:p>
+            <a:pPr>
               <a:lnSpc>
                 <a:spcPct val="100000"/>
               </a:lnSpc>
-              <a:buClr>
-                <a:srgbClr val="ffffff"/>
-              </a:buClr>
-              <a:buFont typeface="Wingdings" charset="2"/>
-              <a:buChar char=""/>
             </a:pPr>
-            <a:endParaRPr b="0" lang="en-US" sz="2000" spc="-1" strike="noStrike">
-              <a:latin typeface="Arial"/>
-            </a:endParaRPr>
-          </a:p>
-          <a:p>
-            <a:pPr marL="216000" indent="-216000">
+            <a:endParaRPr b="0" lang="en-US" sz="1600" spc="-1" strike="noStrike">
+              <a:latin typeface="Arial"/>
+            </a:endParaRPr>
+          </a:p>
+          <a:p>
+            <a:pPr marL="216000" indent="-215640">
               <a:lnSpc>
                 <a:spcPct val="100000"/>
               </a:lnSpc>
@@ -6189,7 +6501,7 @@
               <a:buChar char=""/>
             </a:pPr>
             <a:r>
-              <a:rPr b="0" lang="en-US" sz="2000" spc="-1" strike="noStrike">
+              <a:rPr b="0" lang="en-US" sz="1600" spc="-1" strike="noStrike">
                 <a:solidFill>
                   <a:srgbClr val="ffffff"/>
                 </a:solidFill>
@@ -6198,27 +6510,22 @@
               </a:rPr>
               <a:t>We are to build a model to predict the Attrition (Yes or No) with a data set with 72 different features. We are to analyze the data and get the best model that will attain at least 60% sensitivity and specificity (60 each = 120 total) for the training and the validation set.</a:t>
             </a:r>
-            <a:endParaRPr b="0" lang="en-US" sz="2000" spc="-1" strike="noStrike">
-              <a:latin typeface="Arial"/>
-            </a:endParaRPr>
-          </a:p>
-          <a:p>
-            <a:pPr marL="216000" indent="-216000">
+            <a:endParaRPr b="0" lang="en-US" sz="1600" spc="-1" strike="noStrike">
+              <a:latin typeface="Arial"/>
+            </a:endParaRPr>
+          </a:p>
+          <a:p>
+            <a:pPr>
               <a:lnSpc>
                 <a:spcPct val="100000"/>
               </a:lnSpc>
-              <a:buClr>
-                <a:srgbClr val="ffffff"/>
-              </a:buClr>
-              <a:buFont typeface="Wingdings" charset="2"/>
-              <a:buChar char=""/>
             </a:pPr>
-            <a:endParaRPr b="0" lang="en-US" sz="2000" spc="-1" strike="noStrike">
-              <a:latin typeface="Arial"/>
-            </a:endParaRPr>
-          </a:p>
-          <a:p>
-            <a:pPr marL="216000" indent="-216000">
+            <a:endParaRPr b="0" lang="en-US" sz="1600" spc="-1" strike="noStrike">
+              <a:latin typeface="Arial"/>
+            </a:endParaRPr>
+          </a:p>
+          <a:p>
+            <a:pPr marL="216000" indent="-215640">
               <a:lnSpc>
                 <a:spcPct val="100000"/>
               </a:lnSpc>
@@ -6229,7 +6536,7 @@
               <a:buChar char=""/>
             </a:pPr>
             <a:r>
-              <a:rPr b="0" lang="en-US" sz="2000" spc="-1" strike="noStrike">
+              <a:rPr b="0" lang="en-US" sz="1600" spc="-1" strike="noStrike">
                 <a:solidFill>
                   <a:srgbClr val="ffffff"/>
                 </a:solidFill>
@@ -6238,7 +6545,7 @@
               </a:rPr>
               <a:t>We are to build a model to predict the Monthly Income with the same data set with 72 different features. Our goal is to get a low root mean square error (RMSE&lt;3000) for our prediction from the model we build.</a:t>
             </a:r>
-            <a:endParaRPr b="0" lang="en-US" sz="2000" spc="-1" strike="noStrike">
+            <a:endParaRPr b="0" lang="en-US" sz="1600" spc="-1" strike="noStrike">
               <a:latin typeface="Arial"/>
             </a:endParaRPr>
           </a:p>
@@ -6248,7 +6555,7 @@
                 <a:spcPct val="100000"/>
               </a:lnSpc>
             </a:pPr>
-            <a:endParaRPr b="0" lang="en-US" sz="2000" spc="-1" strike="noStrike">
+            <a:endParaRPr b="0" lang="en-US" sz="1600" spc="-1" strike="noStrike">
               <a:latin typeface="Arial"/>
             </a:endParaRPr>
           </a:p>
@@ -6258,7 +6565,7 @@
                 <a:spcPct val="100000"/>
               </a:lnSpc>
             </a:pPr>
-            <a:endParaRPr b="0" lang="en-US" sz="2000" spc="-1" strike="noStrike">
+            <a:endParaRPr b="0" lang="en-US" sz="1600" spc="-1" strike="noStrike">
               <a:latin typeface="Arial"/>
             </a:endParaRPr>
           </a:p>
@@ -6268,7 +6575,7 @@
                 <a:spcPct val="100000"/>
               </a:lnSpc>
             </a:pPr>
-            <a:endParaRPr b="0" lang="en-US" sz="2000" spc="-1" strike="noStrike">
+            <a:endParaRPr b="0" lang="en-US" sz="1600" spc="-1" strike="noStrike">
               <a:latin typeface="Arial"/>
             </a:endParaRPr>
           </a:p>
@@ -6278,7 +6585,7 @@
                 <a:spcPct val="100000"/>
               </a:lnSpc>
             </a:pPr>
-            <a:endParaRPr b="0" lang="en-US" sz="2000" spc="-1" strike="noStrike">
+            <a:endParaRPr b="0" lang="en-US" sz="1600" spc="-1" strike="noStrike">
               <a:latin typeface="Arial"/>
             </a:endParaRPr>
           </a:p>
@@ -6323,7 +6630,7 @@
         <p:spPr>
           <a:xfrm>
             <a:off x="887040" y="405360"/>
-            <a:ext cx="7772400" cy="731520"/>
+            <a:ext cx="7772040" cy="731160"/>
           </a:xfrm>
           <a:prstGeom prst="rect">
             <a:avLst/>
@@ -6378,7 +6685,7 @@
         <p:spPr>
           <a:xfrm>
             <a:off x="612000" y="1375560"/>
-            <a:ext cx="9235440" cy="5392080"/>
+            <a:ext cx="9235080" cy="5391720"/>
           </a:xfrm>
           <a:prstGeom prst="rect">
             <a:avLst/>
@@ -6427,7 +6734,7 @@
         <p:spPr>
           <a:xfrm>
             <a:off x="640080" y="365760"/>
-            <a:ext cx="7223040" cy="1462320"/>
+            <a:ext cx="7222680" cy="1461960"/>
           </a:xfrm>
           <a:prstGeom prst="rect">
             <a:avLst/>
@@ -6482,7 +6789,7 @@
         <p:spPr>
           <a:xfrm>
             <a:off x="1097640" y="2275560"/>
-            <a:ext cx="8297280" cy="3593160"/>
+            <a:ext cx="8296920" cy="3592800"/>
           </a:xfrm>
           <a:prstGeom prst="rect">
             <a:avLst/>
@@ -6531,7 +6838,7 @@
         <p:spPr>
           <a:xfrm>
             <a:off x="640080" y="365760"/>
-            <a:ext cx="7223040" cy="1462320"/>
+            <a:ext cx="7222680" cy="1461960"/>
           </a:xfrm>
           <a:prstGeom prst="rect">
             <a:avLst/>
@@ -6586,7 +6893,7 @@
         <p:spPr>
           <a:xfrm>
             <a:off x="738000" y="2468880"/>
-            <a:ext cx="8680320" cy="3840480"/>
+            <a:ext cx="8679960" cy="3840120"/>
           </a:xfrm>
           <a:prstGeom prst="rect">
             <a:avLst/>
@@ -6635,7 +6942,7 @@
         <p:spPr>
           <a:xfrm>
             <a:off x="640080" y="365760"/>
-            <a:ext cx="7223040" cy="1462320"/>
+            <a:ext cx="7222680" cy="1461960"/>
           </a:xfrm>
           <a:prstGeom prst="rect">
             <a:avLst/>
@@ -6690,7 +6997,7 @@
         <p:spPr>
           <a:xfrm>
             <a:off x="1097280" y="2311560"/>
-            <a:ext cx="8181000" cy="3449160"/>
+            <a:ext cx="8180640" cy="3448800"/>
           </a:xfrm>
           <a:prstGeom prst="rect">
             <a:avLst/>
@@ -6739,7 +7046,7 @@
         <p:spPr>
           <a:xfrm>
             <a:off x="640080" y="365760"/>
-            <a:ext cx="7223040" cy="1462320"/>
+            <a:ext cx="7222680" cy="1461960"/>
           </a:xfrm>
           <a:prstGeom prst="rect">
             <a:avLst/>
@@ -6794,7 +7101,7 @@
         <p:spPr>
           <a:xfrm>
             <a:off x="401760" y="1957320"/>
-            <a:ext cx="9326880" cy="4875480"/>
+            <a:ext cx="9326520" cy="4875120"/>
           </a:xfrm>
           <a:prstGeom prst="rect">
             <a:avLst/>
@@ -6842,8 +7149,8 @@
         </p:nvSpPr>
         <p:spPr>
           <a:xfrm>
-            <a:off x="271440" y="1923120"/>
-            <a:ext cx="9600120" cy="2691720"/>
+            <a:off x="640080" y="365760"/>
+            <a:ext cx="7222680" cy="1461960"/>
           </a:xfrm>
           <a:prstGeom prst="rect">
             <a:avLst/>
@@ -6860,11 +7167,11 @@
           <a:fontRef idx="minor"/>
         </p:style>
         <p:txBody>
-          <a:bodyPr lIns="0" rIns="0" tIns="0" bIns="0" anchor="ctr">
+          <a:bodyPr lIns="90000" rIns="90000" tIns="45000" bIns="45000">
             <a:noAutofit/>
           </a:bodyPr>
           <a:p>
-            <a:pPr marL="285840" algn="ctr">
+            <a:pPr>
               <a:lnSpc>
                 <a:spcPct val="100000"/>
               </a:lnSpc>
@@ -6872,47 +7179,42 @@
             <a:r>
               <a:rPr b="0" lang="en-US" sz="4400" spc="-1" strike="noStrike">
                 <a:solidFill>
-                  <a:srgbClr val="ffffff"/>
+                  <a:srgbClr val="000000"/>
                 </a:solidFill>
                 <a:latin typeface="Arial"/>
+                <a:ea typeface="Arial"/>
               </a:rPr>
-              <a:t>Model Selection (Attrition)</a:t>
+              <a:t>Attrition Relationships</a:t>
             </a:r>
             <a:endParaRPr b="0" lang="en-US" sz="4400" spc="-1" strike="noStrike">
               <a:latin typeface="Arial"/>
             </a:endParaRPr>
           </a:p>
-          <a:p>
-            <a:pPr marL="285840" algn="ctr">
-              <a:lnSpc>
-                <a:spcPct val="100000"/>
-              </a:lnSpc>
-            </a:pPr>
-            <a:endParaRPr b="0" lang="en-US" sz="4400" spc="-1" strike="noStrike">
-              <a:latin typeface="Arial"/>
-            </a:endParaRPr>
-          </a:p>
-          <a:p>
-            <a:pPr marL="285840" algn="ctr">
-              <a:lnSpc>
-                <a:spcPct val="100000"/>
-              </a:lnSpc>
-            </a:pPr>
-            <a:r>
-              <a:rPr b="0" lang="en-US" sz="3600" spc="-1" strike="noStrike">
-                <a:solidFill>
-                  <a:srgbClr val="ffffff"/>
-                </a:solidFill>
-                <a:latin typeface="Arial"/>
-              </a:rPr>
-              <a:t>Naive Bayes using Feature/Variable selection</a:t>
-            </a:r>
-            <a:endParaRPr b="0" lang="en-US" sz="3600" spc="-1" strike="noStrike">
-              <a:latin typeface="Arial"/>
-            </a:endParaRPr>
-          </a:p>
-        </p:txBody>
-      </p:sp>
+        </p:txBody>
+      </p:sp>
+      <p:pic>
+        <p:nvPicPr>
+          <p:cNvPr id="127" name="" descr=""/>
+          <p:cNvPicPr/>
+          <p:nvPr/>
+        </p:nvPicPr>
+        <p:blipFill>
+          <a:blip r:embed="rId1"/>
+          <a:stretch/>
+        </p:blipFill>
+        <p:spPr>
+          <a:xfrm>
+            <a:off x="401760" y="2216160"/>
+            <a:ext cx="9325080" cy="4295520"/>
+          </a:xfrm>
+          <a:prstGeom prst="rect">
+            <a:avLst/>
+          </a:prstGeom>
+          <a:ln>
+            <a:noFill/>
+          </a:ln>
+        </p:spPr>
+      </p:pic>
     </p:spTree>
   </p:cSld>
   <mc:AlternateContent>
@@ -6945,14 +7247,14 @@
       </p:grpSpPr>
       <p:sp>
         <p:nvSpPr>
-          <p:cNvPr id="127" name="CustomShape 1"/>
+          <p:cNvPr id="128" name="CustomShape 1"/>
           <p:cNvSpPr/>
           <p:nvPr/>
         </p:nvSpPr>
         <p:spPr>
           <a:xfrm>
-            <a:off x="332640" y="473760"/>
-            <a:ext cx="7531200" cy="730440"/>
+            <a:off x="640080" y="365760"/>
+            <a:ext cx="7222680" cy="1461960"/>
           </a:xfrm>
           <a:prstGeom prst="rect">
             <a:avLst/>
@@ -6979,16 +7281,16 @@
               </a:lnSpc>
             </a:pPr>
             <a:r>
-              <a:rPr b="0" lang="en-US" sz="4000" spc="-1" strike="noStrike">
+              <a:rPr b="0" lang="en-US" sz="4400" spc="-1" strike="noStrike">
                 <a:solidFill>
                   <a:srgbClr val="000000"/>
                 </a:solidFill>
                 <a:latin typeface="Arial"/>
                 <a:ea typeface="Arial"/>
               </a:rPr>
-              <a:t>Feature Selection Using Boruta.</a:t>
+              <a:t>Attrition Relationships</a:t>
             </a:r>
-            <a:endParaRPr b="0" lang="en-US" sz="4000" spc="-1" strike="noStrike">
+            <a:endParaRPr b="0" lang="en-US" sz="4400" spc="-1" strike="noStrike">
               <a:latin typeface="Arial"/>
             </a:endParaRPr>
           </a:p>
@@ -6996,7 +7298,7 @@
       </p:sp>
       <p:pic>
         <p:nvPicPr>
-          <p:cNvPr id="128" name="" descr=""/>
+          <p:cNvPr id="129" name="" descr=""/>
           <p:cNvPicPr/>
           <p:nvPr/>
         </p:nvPicPr>
@@ -7006,31 +7308,8 @@
         </p:blipFill>
         <p:spPr>
           <a:xfrm>
-            <a:off x="1653840" y="5760720"/>
-            <a:ext cx="6210000" cy="914040"/>
-          </a:xfrm>
-          <a:prstGeom prst="rect">
-            <a:avLst/>
-          </a:prstGeom>
-          <a:ln>
-            <a:noFill/>
-          </a:ln>
-        </p:spPr>
-      </p:pic>
-      <p:pic>
-        <p:nvPicPr>
-          <p:cNvPr id="129" name="" descr=""/>
-          <p:cNvPicPr/>
-          <p:nvPr/>
-        </p:nvPicPr>
-        <p:blipFill>
-          <a:blip r:embed="rId2"/>
-          <a:stretch/>
-        </p:blipFill>
-        <p:spPr>
-          <a:xfrm>
-            <a:off x="2245680" y="2011680"/>
-            <a:ext cx="5343840" cy="3383280"/>
+            <a:off x="457200" y="2024640"/>
+            <a:ext cx="9144000" cy="4560840"/>
           </a:xfrm>
           <a:prstGeom prst="rect">
             <a:avLst/>
